--- a/DOC/4, Spring FrameWork/09-09-2021_Spring_JPA_Hibernate.pptx
+++ b/DOC/4, Spring FrameWork/09-09-2021_Spring_JPA_Hibernate.pptx
@@ -3031,13 +3031,6 @@
           </ac:spMkLst>
         </pc:spChg>
       </pc:sldChg>
-      <pc:sldChg chg="add">
-        <pc:chgData name="Nguyễn Đức Kiên" userId="80234a751b2739b7" providerId="LiveId" clId="{94921002-46D7-431F-AAE5-EA70F6548530}" dt="2021-09-14T14:04:55.601" v="2425"/>
-        <pc:sldMkLst>
-          <pc:docMk/>
-          <pc:sldMk cId="30635069" sldId="260"/>
-        </pc:sldMkLst>
-      </pc:sldChg>
       <pc:sldChg chg="add del">
         <pc:chgData name="Nguyễn Đức Kiên" userId="80234a751b2739b7" providerId="LiveId" clId="{94921002-46D7-431F-AAE5-EA70F6548530}" dt="2021-09-11T14:48:38.490" v="1020" actId="47"/>
         <pc:sldMkLst>
@@ -3075,21 +3068,6 @@
           <pc:sldMk cId="808500620" sldId="262"/>
         </pc:sldMkLst>
       </pc:sldChg>
-      <pc:sldChg chg="modSp add del mod">
-        <pc:chgData name="Nguyễn Đức Kiên" userId="80234a751b2739b7" providerId="LiveId" clId="{94921002-46D7-431F-AAE5-EA70F6548530}" dt="2021-09-18T16:17:43.757" v="2457" actId="27636"/>
-        <pc:sldMkLst>
-          <pc:docMk/>
-          <pc:sldMk cId="165195299" sldId="263"/>
-        </pc:sldMkLst>
-        <pc:spChg chg="mod">
-          <ac:chgData name="Nguyễn Đức Kiên" userId="80234a751b2739b7" providerId="LiveId" clId="{94921002-46D7-431F-AAE5-EA70F6548530}" dt="2021-09-18T16:17:43.757" v="2457" actId="27636"/>
-          <ac:spMkLst>
-            <pc:docMk/>
-            <pc:sldMk cId="165195299" sldId="263"/>
-            <ac:spMk id="5" creationId="{8040B4D4-7829-4107-8FFD-168DF67A2F6C}"/>
-          </ac:spMkLst>
-        </pc:spChg>
-      </pc:sldChg>
       <pc:sldChg chg="modSp add mod">
         <pc:chgData name="Nguyễn Đức Kiên" userId="80234a751b2739b7" providerId="LiveId" clId="{94921002-46D7-431F-AAE5-EA70F6548530}" dt="2021-09-14T14:04:56.187" v="2427" actId="27636"/>
         <pc:sldMkLst>
@@ -3105,8 +3083,8 @@
           </ac:spMkLst>
         </pc:spChg>
       </pc:sldChg>
-      <pc:sldChg chg="add">
-        <pc:chgData name="Nguyễn Đức Kiên" userId="80234a751b2739b7" providerId="LiveId" clId="{94921002-46D7-431F-AAE5-EA70F6548530}" dt="2021-09-14T14:04:55.601" v="2425"/>
+      <pc:sldChg chg="add del">
+        <pc:chgData name="Nguyễn Đức Kiên" userId="80234a751b2739b7" providerId="LiveId" clId="{94921002-46D7-431F-AAE5-EA70F6548530}" dt="2021-09-11T14:48:38.490" v="1020" actId="47"/>
         <pc:sldMkLst>
           <pc:docMk/>
           <pc:sldMk cId="2728430835" sldId="264"/>
@@ -3116,28 +3094,7 @@
         <pc:chgData name="Nguyễn Đức Kiên" userId="80234a751b2739b7" providerId="LiveId" clId="{94921002-46D7-431F-AAE5-EA70F6548530}" dt="2021-09-11T14:48:38.490" v="1020" actId="47"/>
         <pc:sldMkLst>
           <pc:docMk/>
-          <pc:sldMk cId="2728430835" sldId="264"/>
-        </pc:sldMkLst>
-      </pc:sldChg>
-      <pc:sldChg chg="add">
-        <pc:chgData name="Nguyễn Đức Kiên" userId="80234a751b2739b7" providerId="LiveId" clId="{94921002-46D7-431F-AAE5-EA70F6548530}" dt="2021-09-14T14:04:55.601" v="2425"/>
-        <pc:sldMkLst>
-          <pc:docMk/>
           <pc:sldMk cId="324809103" sldId="265"/>
-        </pc:sldMkLst>
-      </pc:sldChg>
-      <pc:sldChg chg="add del">
-        <pc:chgData name="Nguyễn Đức Kiên" userId="80234a751b2739b7" providerId="LiveId" clId="{94921002-46D7-431F-AAE5-EA70F6548530}" dt="2021-09-11T14:48:38.490" v="1020" actId="47"/>
-        <pc:sldMkLst>
-          <pc:docMk/>
-          <pc:sldMk cId="324809103" sldId="265"/>
-        </pc:sldMkLst>
-      </pc:sldChg>
-      <pc:sldChg chg="add del">
-        <pc:chgData name="Nguyễn Đức Kiên" userId="80234a751b2739b7" providerId="LiveId" clId="{94921002-46D7-431F-AAE5-EA70F6548530}" dt="2021-09-11T14:48:38.490" v="1020" actId="47"/>
-        <pc:sldMkLst>
-          <pc:docMk/>
-          <pc:sldMk cId="1287597085" sldId="266"/>
         </pc:sldMkLst>
       </pc:sldChg>
       <pc:sldChg chg="add">
@@ -4055,13 +4012,6 @@
         <pc:chgData name="Nguyễn Đức Kiên" userId="80234a751b2739b7" providerId="LiveId" clId="{94921002-46D7-431F-AAE5-EA70F6548530}" dt="2021-09-14T14:05:28.551" v="2437" actId="47"/>
         <pc:sldMkLst>
           <pc:docMk/>
-          <pc:sldMk cId="0" sldId="390"/>
-        </pc:sldMkLst>
-      </pc:sldChg>
-      <pc:sldChg chg="addSp delSp modSp add mod">
-        <pc:chgData name="Nguyễn Đức Kiên" userId="80234a751b2739b7" providerId="LiveId" clId="{94921002-46D7-431F-AAE5-EA70F6548530}" dt="2021-09-18T17:39:42.307" v="2538" actId="20577"/>
-        <pc:sldMkLst>
-          <pc:docMk/>
           <pc:sldMk cId="2424304944" sldId="390"/>
         </pc:sldMkLst>
         <pc:spChg chg="add del">
@@ -6926,7 +6876,7 @@
           <a:p>
             <a:fld id="{DFA61351-39CB-4C0E-9DED-EA2BA7D6D2A3}" type="datetime1">
               <a:rPr lang="id-ID" smtClean="0"/>
-              <a:t>18/09/2021</a:t>
+              <a:t>31/03/2022</a:t>
             </a:fld>
             <a:endParaRPr lang="id-ID"/>
           </a:p>
@@ -7782,7 +7732,7 @@
           <a:p>
             <a:fld id="{4D2077CE-9964-4E51-A884-34ACBE1527CB}" type="datetimeFigureOut">
               <a:rPr lang="en-US" smtClean="0"/>
-              <a:t>9/18/2021</a:t>
+              <a:t>31/03/2022</a:t>
             </a:fld>
             <a:endParaRPr lang="en-US"/>
           </a:p>
@@ -7895,7 +7845,7 @@
           <a:p>
             <a:fld id="{4D2077CE-9964-4E51-A884-34ACBE1527CB}" type="datetimeFigureOut">
               <a:rPr lang="en-US" smtClean="0"/>
-              <a:t>9/18/2021</a:t>
+              <a:t>31/03/2022</a:t>
             </a:fld>
             <a:endParaRPr lang="en-US"/>
           </a:p>
@@ -8307,7 +8257,7 @@
           <a:p>
             <a:fld id="{4D2077CE-9964-4E51-A884-34ACBE1527CB}" type="datetimeFigureOut">
               <a:rPr lang="en-US" smtClean="0"/>
-              <a:t>9/18/2021</a:t>
+              <a:t>31/03/2022</a:t>
             </a:fld>
             <a:endParaRPr lang="en-US"/>
           </a:p>
@@ -22292,7 +22242,15 @@
             </a:pPr>
             <a:r>
               <a:rPr lang="en-GB" sz="1400" dirty="0"/>
-              <a:t>A one-to-one relationship refers to the relationship between two entities/ tables A and B in which </a:t>
+              <a:t>A one-to-one relationship refers to the relationship between </a:t>
+            </a:r>
+            <a:r>
+              <a:rPr lang="en-GB" sz="1400"/>
+              <a:t>two entities (tables) </a:t>
+            </a:r>
+            <a:r>
+              <a:rPr lang="en-GB" sz="1400" dirty="0"/>
+              <a:t>A and B in which </a:t>
             </a:r>
             <a:r>
               <a:rPr lang="en-GB" sz="1400" b="1" dirty="0"/>
@@ -23344,7 +23302,7 @@
         </p:nvSpPr>
         <p:spPr>
           <a:xfrm>
-            <a:off x="373380" y="83258"/>
+            <a:off x="490112" y="0"/>
             <a:ext cx="8336281" cy="4752778"/>
           </a:xfrm>
           <a:prstGeom prst="rect">
@@ -23658,7 +23616,25 @@
             </a:r>
             <a:r>
               <a:rPr lang="en-GB" sz="1400" dirty="0"/>
-              <a:t>data from the database. EAGER is set to fetch by default.</a:t>
+              <a:t>data from the database. EAGER is set to fetch by </a:t>
+            </a:r>
+            <a:r>
+              <a:rPr lang="en-GB" sz="1400"/>
+              <a:t>default.</a:t>
+            </a:r>
+            <a:endParaRPr lang="en-GB" sz="1400" dirty="0"/>
+          </a:p>
+          <a:p>
+            <a:pPr lvl="1" algn="l" fontAlgn="base">
+              <a:lnSpc>
+                <a:spcPct val="150000"/>
+              </a:lnSpc>
+            </a:pPr>
+            <a:r>
+              <a:rPr lang="en-GB" sz="1100" b="1">
+                <a:sym typeface="Wingdings" panose="05000000000000000000" pitchFamily="2" charset="2"/>
+              </a:rPr>
+              <a:t>&lt;xác định chiến lược truy xuất dữ liệu từ cơ sở dữ liệu. Mặc định là EAGER &gt;</a:t>
             </a:r>
           </a:p>
           <a:p>
@@ -23670,10 +23646,16 @@
               <a:buChar char="è"/>
             </a:pPr>
             <a:r>
+              <a:rPr lang="en-GB" sz="1100" b="1">
+                <a:sym typeface="Wingdings" panose="05000000000000000000" pitchFamily="2" charset="2"/>
+              </a:rPr>
+              <a:t>FetchType</a:t>
+            </a:r>
+            <a:r>
               <a:rPr lang="en-GB" sz="1100" b="1" dirty="0" err="1">
                 <a:sym typeface="Wingdings" panose="05000000000000000000" pitchFamily="2" charset="2"/>
               </a:rPr>
-              <a:t>FetchType.LAZY</a:t>
+              <a:t>.LAZY</a:t>
             </a:r>
             <a:r>
               <a:rPr lang="en-GB" sz="1100" b="1" dirty="0">
@@ -29896,7 +29878,7 @@
         <p:spPr>
           <a:xfrm>
             <a:off x="628650" y="783292"/>
-            <a:ext cx="7886700" cy="3782921"/>
+            <a:ext cx="7886700" cy="3808163"/>
           </a:xfrm>
           <a:prstGeom prst="rect">
             <a:avLst/>

--- a/DOC/4, Spring FrameWork/09-09-2021_Spring_JPA_Hibernate.pptx
+++ b/DOC/4, Spring FrameWork/09-09-2021_Spring_JPA_Hibernate.pptx
@@ -66,7 +66,7 @@
       <p:boldItalic r:id="rId52"/>
     </p:embeddedFont>
     <p:embeddedFont>
-      <p:font typeface="Quattrocento Sans" panose="020B0604020202020204" charset="0"/>
+      <p:font typeface="Quattrocento Sans" panose="020B0502050000020003" pitchFamily="34" charset="0"/>
       <p:regular r:id="rId53"/>
       <p:bold r:id="rId54"/>
       <p:italic r:id="rId55"/>
@@ -5569,7 +5569,12 @@
             <p:ph type="sldImg"/>
           </p:nvPr>
         </p:nvSpPr>
-        <p:spPr/>
+        <p:spPr>
+          <a:xfrm>
+            <a:off x="381000" y="685800"/>
+            <a:ext cx="6096000" cy="3429000"/>
+          </a:xfrm>
+        </p:spPr>
       </p:sp>
       <p:sp>
         <p:nvSpPr>
@@ -6876,7 +6881,7 @@
           <a:p>
             <a:fld id="{DFA61351-39CB-4C0E-9DED-EA2BA7D6D2A3}" type="datetime1">
               <a:rPr lang="id-ID" smtClean="0"/>
-              <a:t>31/03/2022</a:t>
+              <a:t>05/09/2022</a:t>
             </a:fld>
             <a:endParaRPr lang="id-ID"/>
           </a:p>
@@ -7732,7 +7737,7 @@
           <a:p>
             <a:fld id="{4D2077CE-9964-4E51-A884-34ACBE1527CB}" type="datetimeFigureOut">
               <a:rPr lang="en-US" smtClean="0"/>
-              <a:t>31/03/2022</a:t>
+              <a:t>05/09/2022</a:t>
             </a:fld>
             <a:endParaRPr lang="en-US"/>
           </a:p>
@@ -7845,7 +7850,7 @@
           <a:p>
             <a:fld id="{4D2077CE-9964-4E51-A884-34ACBE1527CB}" type="datetimeFigureOut">
               <a:rPr lang="en-US" smtClean="0"/>
-              <a:t>31/03/2022</a:t>
+              <a:t>05/09/2022</a:t>
             </a:fld>
             <a:endParaRPr lang="en-US"/>
           </a:p>
@@ -8257,7 +8262,7 @@
           <a:p>
             <a:fld id="{4D2077CE-9964-4E51-A884-34ACBE1527CB}" type="datetimeFigureOut">
               <a:rPr lang="en-US" smtClean="0"/>
-              <a:t>31/03/2022</a:t>
+              <a:t>05/09/2022</a:t>
             </a:fld>
             <a:endParaRPr lang="en-US"/>
           </a:p>
@@ -10872,7 +10877,7 @@
         </p:spPr>
         <p:txBody>
           <a:bodyPr>
-            <a:normAutofit fontScale="92500" lnSpcReduction="10000"/>
+            <a:normAutofit fontScale="92500" lnSpcReduction="20000"/>
           </a:bodyPr>
           <a:lstStyle>
             <a:lvl1pPr marL="228600" indent="-228600" algn="l" defTabSz="914400" rtl="0" eaLnBrk="1" latinLnBrk="0" hangingPunct="1">
@@ -11628,7 +11633,7 @@
         </p:spPr>
         <p:txBody>
           <a:bodyPr>
-            <a:normAutofit/>
+            <a:normAutofit fontScale="90000"/>
           </a:bodyPr>
           <a:lstStyle/>
           <a:p>
@@ -12402,7 +12407,7 @@
         </p:spPr>
         <p:txBody>
           <a:bodyPr vert="horz" lIns="68580" tIns="34290" rIns="68580" bIns="34290" rtlCol="0">
-            <a:normAutofit lnSpcReduction="10000"/>
+            <a:normAutofit fontScale="92500"/>
           </a:bodyPr>
           <a:lstStyle>
             <a:lvl1pPr marL="228600" indent="-228600" algn="l" defTabSz="914400" rtl="0" eaLnBrk="1" latinLnBrk="0" hangingPunct="1">
@@ -14946,7 +14951,27 @@
                 <a:effectLst/>
                 <a:latin typeface="Quattrocento Sans" panose="020B0604020202020204" charset="0"/>
               </a:rPr>
-              <a:t>Each JPA entity must have a primary key which uniquely identifies it. </a:t>
+              <a:t>Each JPA entity must have a primary </a:t>
+            </a:r>
+            <a:r>
+              <a:rPr lang="en-US" sz="1400" b="0" i="0">
+                <a:solidFill>
+                  <a:srgbClr val="000000"/>
+                </a:solidFill>
+                <a:effectLst/>
+                <a:latin typeface="Quattrocento Sans" panose="020B0604020202020204" charset="0"/>
+              </a:rPr>
+              <a:t>key that </a:t>
+            </a:r>
+            <a:r>
+              <a:rPr lang="en-US" sz="1400" b="0" i="0" dirty="0">
+                <a:solidFill>
+                  <a:srgbClr val="000000"/>
+                </a:solidFill>
+                <a:effectLst/>
+                <a:latin typeface="Quattrocento Sans" panose="020B0604020202020204" charset="0"/>
+              </a:rPr>
+              <a:t>uniquely identifies it. </a:t>
             </a:r>
             <a:r>
               <a:rPr lang="en-US" sz="1400" b="1" i="0" strike="noStrike" dirty="0">
@@ -25506,7 +25531,97 @@
                 </a:solidFill>
                 <a:latin typeface="Quattrocento Sans" panose="020B0604020202020204" charset="0"/>
               </a:rPr>
-              <a:t>Hibernate is a Java framework that simplifies the development of Java application to interact with the database</a:t>
+              <a:t>Hibernate is </a:t>
+            </a:r>
+            <a:r>
+              <a:rPr lang="en-US" sz="1800" b="1">
+                <a:solidFill>
+                  <a:srgbClr val="333333"/>
+                </a:solidFill>
+                <a:latin typeface="Quattrocento Sans" panose="020B0604020202020204" charset="0"/>
+              </a:rPr>
+              <a:t>a </a:t>
+            </a:r>
+            <a:r>
+              <a:rPr lang="vi-VN" sz="1800" b="1">
+                <a:solidFill>
+                  <a:srgbClr val="333333"/>
+                </a:solidFill>
+                <a:latin typeface="Quattrocento Sans" panose="020B0604020202020204" charset="0"/>
+              </a:rPr>
+              <a:t>j</a:t>
+            </a:r>
+            <a:r>
+              <a:rPr lang="en-US" sz="1800" b="1">
+                <a:solidFill>
+                  <a:srgbClr val="333333"/>
+                </a:solidFill>
+                <a:latin typeface="Quattrocento Sans" panose="020B0604020202020204" charset="0"/>
+              </a:rPr>
+              <a:t>ava </a:t>
+            </a:r>
+            <a:r>
+              <a:rPr lang="en-US" sz="1800" b="1" dirty="0">
+                <a:solidFill>
+                  <a:srgbClr val="333333"/>
+                </a:solidFill>
+                <a:latin typeface="Quattrocento Sans" panose="020B0604020202020204" charset="0"/>
+              </a:rPr>
+              <a:t>framework that simplifies the development </a:t>
+            </a:r>
+            <a:r>
+              <a:rPr lang="en-US" sz="1800" b="1">
+                <a:solidFill>
+                  <a:srgbClr val="333333"/>
+                </a:solidFill>
+                <a:latin typeface="Quattrocento Sans" panose="020B0604020202020204" charset="0"/>
+              </a:rPr>
+              <a:t>of </a:t>
+            </a:r>
+            <a:r>
+              <a:rPr lang="vi-VN" sz="1800" b="1">
+                <a:solidFill>
+                  <a:srgbClr val="333333"/>
+                </a:solidFill>
+                <a:latin typeface="Quattrocento Sans" panose="020B0604020202020204" charset="0"/>
+              </a:rPr>
+              <a:t>j</a:t>
+            </a:r>
+            <a:r>
+              <a:rPr lang="en-US" sz="1800" b="1">
+                <a:solidFill>
+                  <a:srgbClr val="333333"/>
+                </a:solidFill>
+                <a:latin typeface="Quattrocento Sans" panose="020B0604020202020204" charset="0"/>
+              </a:rPr>
+              <a:t>ava </a:t>
+            </a:r>
+            <a:r>
+              <a:rPr lang="vi-VN" sz="1800" b="1">
+                <a:solidFill>
+                  <a:srgbClr val="333333"/>
+                </a:solidFill>
+                <a:latin typeface="Quattrocento Sans" panose="020B0604020202020204" charset="0"/>
+              </a:rPr>
+              <a:t>applications</a:t>
+            </a:r>
+            <a:r>
+              <a:rPr lang="en-US" sz="1800" b="1">
+                <a:solidFill>
+                  <a:srgbClr val="333333"/>
+                </a:solidFill>
+                <a:latin typeface="Quattrocento Sans" panose="020B0604020202020204" charset="0"/>
+              </a:rPr>
+              <a:t> </a:t>
+            </a:r>
+            <a:r>
+              <a:rPr lang="en-US" sz="1800" b="1" dirty="0">
+                <a:solidFill>
+                  <a:srgbClr val="333333"/>
+                </a:solidFill>
+                <a:latin typeface="Quattrocento Sans" panose="020B0604020202020204" charset="0"/>
+              </a:rPr>
+              <a:t>to interact with the database</a:t>
             </a:r>
             <a:r>
               <a:rPr lang="en-US" sz="1800" dirty="0">
@@ -25553,7 +25668,43 @@
                 </a:solidFill>
                 <a:latin typeface="Quattrocento Sans" panose="020B0604020202020204" charset="0"/>
               </a:rPr>
-              <a:t>Establishing a connection with the database, writing query to perform CRUD operations etc</a:t>
+              <a:t>Establishing a connection with the database, </a:t>
+            </a:r>
+            <a:r>
+              <a:rPr lang="en-US" sz="1800" b="1">
+                <a:solidFill>
+                  <a:srgbClr val="273239"/>
+                </a:solidFill>
+                <a:latin typeface="Quattrocento Sans" panose="020B0604020202020204" charset="0"/>
+              </a:rPr>
+              <a:t>writing </a:t>
+            </a:r>
+            <a:r>
+              <a:rPr lang="vi-VN" sz="1800" b="1">
+                <a:solidFill>
+                  <a:srgbClr val="273239"/>
+                </a:solidFill>
+                <a:latin typeface="Quattrocento Sans" panose="020B0604020202020204" charset="0"/>
+              </a:rPr>
+              <a:t>queries</a:t>
+            </a:r>
+            <a:r>
+              <a:rPr lang="en-US" sz="1800" b="1">
+                <a:solidFill>
+                  <a:srgbClr val="273239"/>
+                </a:solidFill>
+                <a:latin typeface="Quattrocento Sans" panose="020B0604020202020204" charset="0"/>
+              </a:rPr>
+              <a:t> </a:t>
+            </a:r>
+            <a:r>
+              <a:rPr lang="en-US" sz="1800" b="1" dirty="0">
+                <a:solidFill>
+                  <a:srgbClr val="273239"/>
+                </a:solidFill>
+                <a:latin typeface="Quattrocento Sans" panose="020B0604020202020204" charset="0"/>
+              </a:rPr>
+              <a:t>to perform CRUD operations etc</a:t>
             </a:r>
             <a:r>
               <a:rPr lang="en-US" sz="1800" dirty="0">
@@ -30295,11 +30446,20 @@
           <a:lstStyle/>
           <a:p>
             <a:r>
-              <a:rPr lang="en-US" dirty="0">
+              <a:rPr lang="vi-VN" dirty="0">
                 <a:latin typeface="Quattrocento Sans" panose="020B0604020202020204" charset="0"/>
               </a:rPr>
-              <a:t>JDBC</a:t>
-            </a:r>
+              <a:t>J</a:t>
+            </a:r>
+            <a:r>
+              <a:rPr lang="en-US">
+                <a:latin typeface="Quattrocento Sans" panose="020B0604020202020204" charset="0"/>
+              </a:rPr>
+              <a:t>DBC</a:t>
+            </a:r>
+            <a:endParaRPr lang="en-US" dirty="0">
+              <a:latin typeface="Quattrocento Sans" panose="020B0604020202020204" charset="0"/>
+            </a:endParaRPr>
           </a:p>
         </p:txBody>
       </p:sp>
@@ -30333,7 +30493,25 @@
                 </a:solidFill>
                 <a:latin typeface="Quattrocento Sans" panose="020B0604020202020204" charset="0"/>
               </a:rPr>
-              <a:t>In JDBC, one needs to write code to map the object model’s data representation to the schema of the relational model.</a:t>
+              <a:t>In JDBC</a:t>
+            </a:r>
+            <a:r>
+              <a:rPr lang="en-US" sz="2175">
+                <a:solidFill>
+                  <a:srgbClr val="273239"/>
+                </a:solidFill>
+                <a:latin typeface="Quattrocento Sans" panose="020B0604020202020204" charset="0"/>
+              </a:rPr>
+              <a:t>, we need </a:t>
+            </a:r>
+            <a:r>
+              <a:rPr lang="en-US" sz="2175" dirty="0">
+                <a:solidFill>
+                  <a:srgbClr val="273239"/>
+                </a:solidFill>
+                <a:latin typeface="Quattrocento Sans" panose="020B0604020202020204" charset="0"/>
+              </a:rPr>
+              <a:t>to write code to map the object model’s data representation to the schema of the relational model.</a:t>
             </a:r>
           </a:p>
           <a:p>
@@ -30355,7 +30533,43 @@
                 </a:solidFill>
                 <a:latin typeface="Quattrocento Sans" panose="020B0604020202020204" charset="0"/>
               </a:rPr>
-              <a:t>JDBC code needs to be written in a try catch block as it throws checked exception(</a:t>
+              <a:t>JDBC code needs to be written in </a:t>
+            </a:r>
+            <a:r>
+              <a:rPr lang="en-US" sz="2175">
+                <a:solidFill>
+                  <a:srgbClr val="273239"/>
+                </a:solidFill>
+                <a:latin typeface="Quattrocento Sans" panose="020B0604020202020204" charset="0"/>
+              </a:rPr>
+              <a:t>a try-catch </a:t>
+            </a:r>
+            <a:r>
+              <a:rPr lang="en-US" sz="2175" dirty="0">
+                <a:solidFill>
+                  <a:srgbClr val="273239"/>
+                </a:solidFill>
+                <a:latin typeface="Quattrocento Sans" panose="020B0604020202020204" charset="0"/>
+              </a:rPr>
+              <a:t>block as it </a:t>
+            </a:r>
+            <a:r>
+              <a:rPr lang="en-US" sz="2175">
+                <a:solidFill>
+                  <a:srgbClr val="273239"/>
+                </a:solidFill>
+                <a:latin typeface="Quattrocento Sans" panose="020B0604020202020204" charset="0"/>
+              </a:rPr>
+              <a:t>throws a checked </a:t>
+            </a:r>
+            <a:r>
+              <a:rPr lang="en-US" sz="2175" dirty="0">
+                <a:solidFill>
+                  <a:srgbClr val="273239"/>
+                </a:solidFill>
+                <a:latin typeface="Quattrocento Sans" panose="020B0604020202020204" charset="0"/>
+              </a:rPr>
+              <a:t>exception(</a:t>
             </a:r>
             <a:r>
               <a:rPr lang="en-US" sz="2175" dirty="0" err="1">
@@ -30384,7 +30598,61 @@
                 </a:solidFill>
                 <a:latin typeface="Quattrocento Sans" panose="020B0604020202020204" charset="0"/>
               </a:rPr>
-              <a:t>JDBC is database dependent i.e. one needs to write different codes for different database</a:t>
+              <a:t>JDBC is database dependent i.e</a:t>
+            </a:r>
+            <a:r>
+              <a:rPr lang="en-US" sz="2175">
+                <a:solidFill>
+                  <a:srgbClr val="273239"/>
+                </a:solidFill>
+                <a:latin typeface="Quattrocento Sans" panose="020B0604020202020204" charset="0"/>
+              </a:rPr>
+              <a:t>. </a:t>
+            </a:r>
+            <a:r>
+              <a:rPr lang="vi-VN" sz="2175">
+                <a:solidFill>
+                  <a:srgbClr val="273239"/>
+                </a:solidFill>
+                <a:latin typeface="Quattrocento Sans" panose="020B0604020202020204" charset="0"/>
+              </a:rPr>
+              <a:t>we</a:t>
+            </a:r>
+            <a:r>
+              <a:rPr lang="en-US" sz="2175">
+                <a:solidFill>
+                  <a:srgbClr val="273239"/>
+                </a:solidFill>
+                <a:latin typeface="Quattrocento Sans" panose="020B0604020202020204" charset="0"/>
+              </a:rPr>
+              <a:t> </a:t>
+            </a:r>
+            <a:r>
+              <a:rPr lang="vi-VN" sz="2175">
+                <a:solidFill>
+                  <a:srgbClr val="273239"/>
+                </a:solidFill>
+                <a:latin typeface="Quattrocento Sans" panose="020B0604020202020204" charset="0"/>
+              </a:rPr>
+              <a:t>need</a:t>
+            </a:r>
+            <a:r>
+              <a:rPr lang="en-US" sz="2175">
+                <a:solidFill>
+                  <a:srgbClr val="273239"/>
+                </a:solidFill>
+                <a:latin typeface="Quattrocento Sans" panose="020B0604020202020204" charset="0"/>
+              </a:rPr>
+              <a:t> </a:t>
+            </a:r>
+            <a:r>
+              <a:rPr lang="en-US" sz="2175" dirty="0">
+                <a:solidFill>
+                  <a:srgbClr val="273239"/>
+                </a:solidFill>
+                <a:latin typeface="Quattrocento Sans" panose="020B0604020202020204" charset="0"/>
+              </a:rPr>
+              <a:t>to write different codes for different database</a:t>
             </a:r>
           </a:p>
           <a:p>
@@ -30952,16 +31220,16 @@
                 </a:solidFill>
                 <a:latin typeface="Quattrocento Sans" panose="020B0604020202020204" charset="0"/>
               </a:rPr>
-              <a:t>Configuration is a class which is present in </a:t>
-            </a:r>
-            <a:r>
-              <a:rPr lang="en-US" sz="1200" dirty="0" err="1">
+              <a:t>Configuration is a </a:t>
+            </a:r>
+            <a:r>
+              <a:rPr lang="en-US" sz="1200">
                 <a:solidFill>
                   <a:srgbClr val="273239"/>
                 </a:solidFill>
                 <a:latin typeface="Quattrocento Sans" panose="020B0604020202020204" charset="0"/>
               </a:rPr>
-              <a:t>org.hibernate.cfg</a:t>
+              <a:t>class that </a:t>
             </a:r>
             <a:r>
               <a:rPr lang="en-US" sz="1200" dirty="0">
@@ -30970,7 +31238,61 @@
                 </a:solidFill>
                 <a:latin typeface="Quattrocento Sans" panose="020B0604020202020204" charset="0"/>
               </a:rPr>
-              <a:t> package. It activates Hibernate framework. It reads both configuration file and mapping files.</a:t>
+              <a:t>is present in </a:t>
+            </a:r>
+            <a:r>
+              <a:rPr lang="en-US" sz="1200" err="1">
+                <a:solidFill>
+                  <a:srgbClr val="273239"/>
+                </a:solidFill>
+                <a:latin typeface="Quattrocento Sans" panose="020B0604020202020204" charset="0"/>
+              </a:rPr>
+              <a:t>org</a:t>
+            </a:r>
+            <a:r>
+              <a:rPr lang="en-US" sz="1200">
+                <a:solidFill>
+                  <a:srgbClr val="273239"/>
+                </a:solidFill>
+                <a:latin typeface="Quattrocento Sans" panose="020B0604020202020204" charset="0"/>
+              </a:rPr>
+              <a:t>.hibernate</a:t>
+            </a:r>
+            <a:r>
+              <a:rPr lang="en-US" sz="1200" dirty="0" err="1">
+                <a:solidFill>
+                  <a:srgbClr val="273239"/>
+                </a:solidFill>
+                <a:latin typeface="Quattrocento Sans" panose="020B0604020202020204" charset="0"/>
+              </a:rPr>
+              <a:t>.cfg</a:t>
+            </a:r>
+            <a:r>
+              <a:rPr lang="en-US" sz="1200" dirty="0">
+                <a:solidFill>
+                  <a:srgbClr val="273239"/>
+                </a:solidFill>
+                <a:latin typeface="Quattrocento Sans" panose="020B0604020202020204" charset="0"/>
+              </a:rPr>
+              <a:t> package. It activates Hibernate framework. It reads both </a:t>
+            </a:r>
+            <a:r>
+              <a:rPr lang="en-US" sz="1200">
+                <a:solidFill>
+                  <a:srgbClr val="273239"/>
+                </a:solidFill>
+                <a:latin typeface="Quattrocento Sans" panose="020B0604020202020204" charset="0"/>
+              </a:rPr>
+              <a:t>configuration files </a:t>
+            </a:r>
+            <a:r>
+              <a:rPr lang="en-US" sz="1200" dirty="0">
+                <a:solidFill>
+                  <a:srgbClr val="273239"/>
+                </a:solidFill>
+                <a:latin typeface="Quattrocento Sans" panose="020B0604020202020204" charset="0"/>
+              </a:rPr>
+              <a:t>and mapping files.</a:t>
             </a:r>
           </a:p>
           <a:p>
@@ -30994,7 +31316,43 @@
                 </a:solidFill>
                 <a:latin typeface="Quattrocento Sans" panose="020B0604020202020204" charset="0"/>
               </a:rPr>
-              <a:t>If the config file is not valid then it will throw an exception. If it is valid then it creates a meta-data in memory and returns the meta-data to object to represent the config file.</a:t>
+              <a:t>If the config file </a:t>
+            </a:r>
+            <a:r>
+              <a:rPr lang="en-US" sz="1200">
+                <a:solidFill>
+                  <a:srgbClr val="273239"/>
+                </a:solidFill>
+                <a:latin typeface="Quattrocento Sans" panose="020B0604020202020204" charset="0"/>
+              </a:rPr>
+              <a:t>is invalid, </a:t>
+            </a:r>
+            <a:r>
+              <a:rPr lang="en-US" sz="1200" dirty="0">
+                <a:solidFill>
+                  <a:srgbClr val="273239"/>
+                </a:solidFill>
+                <a:latin typeface="Quattrocento Sans" panose="020B0604020202020204" charset="0"/>
+              </a:rPr>
+              <a:t>it will throw an exception. If it is valid then it creates a meta-data in memory and returns the meta-data </a:t>
+            </a:r>
+            <a:r>
+              <a:rPr lang="en-US" sz="1200">
+                <a:solidFill>
+                  <a:srgbClr val="273239"/>
+                </a:solidFill>
+                <a:latin typeface="Quattrocento Sans" panose="020B0604020202020204" charset="0"/>
+              </a:rPr>
+              <a:t>to an object </a:t>
+            </a:r>
+            <a:r>
+              <a:rPr lang="en-US" sz="1200" dirty="0">
+                <a:solidFill>
+                  <a:srgbClr val="273239"/>
+                </a:solidFill>
+                <a:latin typeface="Quattrocento Sans" panose="020B0604020202020204" charset="0"/>
+              </a:rPr>
+              <a:t>to represent the config file.</a:t>
             </a:r>
           </a:p>
           <a:p>
@@ -31270,7 +31628,25 @@
                 </a:solidFill>
                 <a:latin typeface="Quattrocento Sans" panose="020B0604020202020204" charset="0"/>
               </a:rPr>
-              <a:t> is an Interface which is present in </a:t>
+              <a:t> is an </a:t>
+            </a:r>
+            <a:r>
+              <a:rPr lang="en-US" sz="1200">
+                <a:solidFill>
+                  <a:srgbClr val="273239"/>
+                </a:solidFill>
+                <a:latin typeface="Quattrocento Sans" panose="020B0604020202020204" charset="0"/>
+              </a:rPr>
+              <a:t>Interface that </a:t>
+            </a:r>
+            <a:r>
+              <a:rPr lang="en-US" sz="1200" dirty="0">
+                <a:solidFill>
+                  <a:srgbClr val="273239"/>
+                </a:solidFill>
+                <a:latin typeface="Quattrocento Sans" panose="020B0604020202020204" charset="0"/>
+              </a:rPr>
+              <a:t>is present in </a:t>
             </a:r>
             <a:r>
               <a:rPr lang="en-US" sz="1200" dirty="0" err="1">
@@ -31288,7 +31664,37 @@
                 </a:solidFill>
                 <a:latin typeface="Quattrocento Sans" panose="020B0604020202020204" charset="0"/>
               </a:rPr>
-              <a:t> package and it is used to create Session Object.</a:t>
+              <a:t> package </a:t>
+            </a:r>
+            <a:r>
+              <a:rPr lang="en-US" sz="1200">
+                <a:solidFill>
+                  <a:srgbClr val="273239"/>
+                </a:solidFill>
+                <a:latin typeface="Quattrocento Sans" panose="020B0604020202020204" charset="0"/>
+              </a:rPr>
+              <a:t>and </a:t>
+            </a:r>
+          </a:p>
+          <a:p>
+            <a:pPr lvl="1" fontAlgn="base"/>
+            <a:r>
+              <a:rPr lang="en-US" sz="1200">
+                <a:solidFill>
+                  <a:srgbClr val="273239"/>
+                </a:solidFill>
+                <a:latin typeface="Quattrocento Sans" panose="020B0604020202020204" charset="0"/>
+              </a:rPr>
+              <a:t>It </a:t>
+            </a:r>
+            <a:r>
+              <a:rPr lang="en-US" sz="1200" dirty="0">
+                <a:solidFill>
+                  <a:srgbClr val="273239"/>
+                </a:solidFill>
+                <a:latin typeface="Quattrocento Sans" panose="020B0604020202020204" charset="0"/>
+              </a:rPr>
+              <a:t>is used to create Session Object.</a:t>
             </a:r>
           </a:p>
           <a:p>
